--- a/pptx.pptx
+++ b/pptx.pptx
@@ -129,6 +129,9 @@
     <p:ext uri="{EFAFB233-063F-42B5-8137-9DF3F51BA10A}">
       <p15:sldGuideLst xmlns:p15="http://schemas.microsoft.com/office/powerpoint/2012/main"/>
     </p:ext>
+    <p:ext uri="{2D200454-40CA-4A62-9FC3-DE9A4176ACB9}">
+      <p15:notesGuideLst xmlns:p15="http://schemas.microsoft.com/office/powerpoint/2012/main"/>
+    </p:ext>
   </p:extLst>
 </p:presentation>
 </file>
@@ -215,7 +218,7 @@
           <a:p>
             <a:fld id="{AFD01546-198A-4195-BCF8-F0FF54C90E5E}" type="datetimeFigureOut">
               <a:rPr lang="en-US" smtClean="0"/>
-              <a:t>5/10/2022</a:t>
+              <a:t>5/11/2022</a:t>
             </a:fld>
             <a:endParaRPr lang="en-US" dirty="0"/>
           </a:p>
@@ -930,7 +933,7 @@
           <a:p>
             <a:fld id="{88D38747-4367-4BD2-8D51-C97E202738E2}" type="datetime1">
               <a:rPr lang="en-US" smtClean="0"/>
-              <a:t>5/10/2022</a:t>
+              <a:t>5/11/2022</a:t>
             </a:fld>
             <a:endParaRPr lang="en-US" dirty="0"/>
           </a:p>
@@ -1235,7 +1238,7 @@
           <a:p>
             <a:fld id="{11F1B079-7EF0-44EE-B798-BCC497C9F3B2}" type="datetime1">
               <a:rPr lang="en-US" smtClean="0"/>
-              <a:t>5/10/2022</a:t>
+              <a:t>5/11/2022</a:t>
             </a:fld>
             <a:endParaRPr lang="en-US" dirty="0"/>
           </a:p>
@@ -1429,7 +1432,7 @@
           <a:p>
             <a:fld id="{28FF70A8-1D13-4657-95F0-A9EA54967B8D}" type="datetime1">
               <a:rPr lang="en-US" smtClean="0"/>
-              <a:t>5/10/2022</a:t>
+              <a:t>5/11/2022</a:t>
             </a:fld>
             <a:endParaRPr lang="en-US" dirty="0"/>
           </a:p>
@@ -1692,7 +1695,7 @@
           <a:p>
             <a:fld id="{21EB90AC-71BD-4C7F-8ACA-7B3F18292E63}" type="datetime1">
               <a:rPr lang="en-US" smtClean="0"/>
-              <a:t>5/10/2022</a:t>
+              <a:t>5/11/2022</a:t>
             </a:fld>
             <a:endParaRPr lang="en-US" dirty="0"/>
           </a:p>
@@ -2128,7 +2131,7 @@
           <a:p>
             <a:fld id="{4E6EFC2C-8905-46F0-B443-CE905B76BA01}" type="datetime1">
               <a:rPr lang="en-US" smtClean="0"/>
-              <a:t>5/10/2022</a:t>
+              <a:t>5/11/2022</a:t>
             </a:fld>
             <a:endParaRPr lang="en-US" dirty="0"/>
           </a:p>
@@ -2665,7 +2668,7 @@
           <a:p>
             <a:fld id="{D9079DC3-C9B5-499E-9140-0DC28B7074E2}" type="datetime1">
               <a:rPr lang="en-US" smtClean="0"/>
-              <a:t>5/10/2022</a:t>
+              <a:t>5/11/2022</a:t>
             </a:fld>
             <a:endParaRPr lang="en-US" dirty="0"/>
           </a:p>
@@ -3547,7 +3550,7 @@
           <a:p>
             <a:fld id="{30BB33EA-E472-4D22-9C03-A9C14AA21CED}" type="datetime1">
               <a:rPr lang="en-US" smtClean="0"/>
-              <a:t>5/10/2022</a:t>
+              <a:t>5/11/2022</a:t>
             </a:fld>
             <a:endParaRPr lang="en-US" dirty="0"/>
           </a:p>
@@ -3717,7 +3720,7 @@
           <a:p>
             <a:fld id="{73C55A3C-5767-4844-A0A3-83778C2E5409}" type="datetime1">
               <a:rPr lang="en-US" smtClean="0"/>
-              <a:t>5/10/2022</a:t>
+              <a:t>5/11/2022</a:t>
             </a:fld>
             <a:endParaRPr lang="en-US" dirty="0"/>
           </a:p>
@@ -3961,7 +3964,7 @@
           <a:p>
             <a:fld id="{CAE507A8-A5CF-4D38-AB86-7EDDA87A85D4}" type="datetime1">
               <a:rPr lang="en-US" smtClean="0"/>
-              <a:t>5/10/2022</a:t>
+              <a:t>5/11/2022</a:t>
             </a:fld>
             <a:endParaRPr lang="en-US" dirty="0"/>
           </a:p>
@@ -4203,7 +4206,7 @@
           <a:p>
             <a:fld id="{BDFCD27C-8599-43EF-BA1D-14DDC1946E06}" type="datetime1">
               <a:rPr lang="en-US" smtClean="0"/>
-              <a:t>5/10/2022</a:t>
+              <a:t>5/11/2022</a:t>
             </a:fld>
             <a:endParaRPr lang="en-US" dirty="0"/>
           </a:p>
@@ -4686,7 +4689,7 @@
           <a:p>
             <a:fld id="{49343D99-809A-49C0-96E5-4250D0B498EE}" type="datetime1">
               <a:rPr lang="en-US" smtClean="0"/>
-              <a:t>5/10/2022</a:t>
+              <a:t>5/11/2022</a:t>
             </a:fld>
             <a:endParaRPr lang="en-US" dirty="0"/>
           </a:p>
@@ -4804,7 +4807,7 @@
           <a:p>
             <a:fld id="{A143DE9B-B678-4EFB-BB7D-A4370204A0B0}" type="datetime1">
               <a:rPr lang="en-US" smtClean="0"/>
-              <a:t>5/10/2022</a:t>
+              <a:t>5/11/2022</a:t>
             </a:fld>
             <a:endParaRPr lang="en-US" dirty="0"/>
           </a:p>
@@ -4899,7 +4902,7 @@
           <a:p>
             <a:fld id="{E68812DA-F765-4142-A6A3-A8ED7235E082}" type="datetime1">
               <a:rPr lang="en-US" smtClean="0"/>
-              <a:t>5/10/2022</a:t>
+              <a:t>5/11/2022</a:t>
             </a:fld>
             <a:endParaRPr lang="en-US" dirty="0"/>
           </a:p>
@@ -5154,7 +5157,7 @@
           <a:p>
             <a:fld id="{3E0277FD-7DE6-41D4-930D-AC99F5AFE54E}" type="datetime1">
               <a:rPr lang="en-US" smtClean="0"/>
-              <a:t>5/10/2022</a:t>
+              <a:t>5/11/2022</a:t>
             </a:fld>
             <a:endParaRPr lang="en-US" dirty="0"/>
           </a:p>
@@ -5461,7 +5464,7 @@
           <a:p>
             <a:fld id="{9EA15526-7079-4B7B-987C-1B5FAE11A0FF}" type="datetime1">
               <a:rPr lang="en-US" smtClean="0"/>
-              <a:t>5/10/2022</a:t>
+              <a:t>5/11/2022</a:t>
             </a:fld>
             <a:endParaRPr lang="en-US" dirty="0"/>
           </a:p>
@@ -5696,7 +5699,7 @@
           <a:p>
             <a:fld id="{073ED0CC-082F-4160-86E5-0D6041F12778}" type="datetime1">
               <a:rPr lang="en-US" smtClean="0"/>
-              <a:t>5/10/2022</a:t>
+              <a:t>5/11/2022</a:t>
             </a:fld>
             <a:endParaRPr lang="en-US" dirty="0"/>
           </a:p>
@@ -6614,7 +6617,7 @@
           </a:effectLst>
           <a:extLst>
             <a:ext uri="{91240B29-F687-4f45-9708-019B960494DF}">
-              <a14:hiddenLine xmlns:a16="http://schemas.microsoft.com/office/drawing/2014/main" xmlns:p14="http://schemas.microsoft.com/office/powerpoint/2010/main" xmlns:a14="http://schemas.microsoft.com/office/drawing/2010/main" xmlns="" w="9525">
+              <a14:hiddenLine xmlns="" xmlns:a14="http://schemas.microsoft.com/office/drawing/2010/main" xmlns:p14="http://schemas.microsoft.com/office/powerpoint/2010/main" xmlns:a16="http://schemas.microsoft.com/office/drawing/2014/main" w="9525">
                 <a:solidFill>
                   <a:srgbClr val="000000"/>
                 </a:solidFill>
@@ -6805,13 +6808,13 @@
   <p:clrMapOvr>
     <a:masterClrMapping/>
   </p:clrMapOvr>
-  <mc:AlternateContent xmlns:mc="http://schemas.openxmlformats.org/markup-compatibility/2006">
-    <mc:Choice xmlns:p14="http://schemas.microsoft.com/office/powerpoint/2010/main" Requires="p14">
+  <mc:AlternateContent xmlns:mc="http://schemas.openxmlformats.org/markup-compatibility/2006" xmlns:p14="http://schemas.microsoft.com/office/powerpoint/2010/main">
+    <mc:Choice Requires="p14">
       <p:transition spd="med" p14:dur="700">
         <p:fade/>
       </p:transition>
     </mc:Choice>
-    <mc:Fallback>
+    <mc:Fallback xmlns="">
       <p:transition spd="med">
         <p:fade/>
       </p:transition>
@@ -6823,6 +6826,25 @@
 <file path=ppt/slides/slide10.xml><?xml version="1.0" encoding="utf-8"?>
 <p:sld xmlns:a="http://schemas.openxmlformats.org/drawingml/2006/main" xmlns:r="http://schemas.openxmlformats.org/officeDocument/2006/relationships" xmlns:p="http://schemas.openxmlformats.org/presentationml/2006/main">
   <p:cSld>
+    <p:bg>
+      <p:bgPr>
+        <a:blipFill rotWithShape="1">
+          <a:blip r:embed="rId2">
+            <a:duotone>
+              <a:schemeClr val="bg1">
+                <a:shade val="80000"/>
+                <a:lumMod val="80000"/>
+              </a:schemeClr>
+              <a:schemeClr val="bg1">
+                <a:tint val="98000"/>
+              </a:schemeClr>
+            </a:duotone>
+          </a:blip>
+          <a:stretch/>
+        </a:blipFill>
+        <a:effectLst/>
+      </p:bgPr>
+    </p:bg>
     <p:spTree>
       <p:nvGrpSpPr>
         <p:cNvPr id="1" name=""/>
@@ -6853,13 +6875,20 @@
             <p:ph type="title"/>
           </p:nvPr>
         </p:nvSpPr>
-        <p:spPr/>
-        <p:txBody>
-          <a:bodyPr/>
+        <p:spPr>
+          <a:xfrm>
+            <a:off x="1370693" y="4511814"/>
+            <a:ext cx="9440034" cy="1130260"/>
+          </a:xfrm>
+        </p:spPr>
+        <p:txBody>
+          <a:bodyPr vert="horz" lIns="91440" tIns="45720" rIns="91440" bIns="45720" rtlCol="0" anchor="b">
+            <a:normAutofit/>
+          </a:bodyPr>
           <a:lstStyle/>
           <a:p>
             <a:r>
-              <a:rPr lang="nl-NL" dirty="0"/>
+              <a:rPr lang="en-US" sz="4800"/>
               <a:t>Kornee</a:t>
             </a:r>
           </a:p>
@@ -6867,10 +6896,10 @@
       </p:sp>
       <p:sp>
         <p:nvSpPr>
-          <p:cNvPr id="3" name="Content Placeholder 2">
+          <p:cNvPr id="15" name="Content Placeholder 14">
             <a:extLst>
               <a:ext uri="{FF2B5EF4-FFF2-40B4-BE49-F238E27FC236}">
-                <a16:creationId xmlns:a16="http://schemas.microsoft.com/office/drawing/2014/main" id="{8B7B744F-1159-2AF1-8438-27402C38D632}"/>
+                <a16:creationId xmlns:a16="http://schemas.microsoft.com/office/drawing/2014/main" id="{8CC80315-32F3-6587-D87B-A8CD96C5DEFE}"/>
               </a:ext>
             </a:extLst>
           </p:cNvPr>
@@ -6881,15 +6910,197 @@
             <p:ph idx="1"/>
           </p:nvPr>
         </p:nvSpPr>
-        <p:spPr/>
-        <p:txBody>
-          <a:bodyPr/>
+        <p:spPr>
+          <a:xfrm>
+            <a:off x="1370693" y="5642074"/>
+            <a:ext cx="9440034" cy="505230"/>
+          </a:xfrm>
+        </p:spPr>
+        <p:txBody>
+          <a:bodyPr vert="horz" lIns="91440" tIns="45720" rIns="91440" bIns="45720" rtlCol="0" anchor="t">
+            <a:normAutofit/>
+          </a:bodyPr>
           <a:lstStyle/>
           <a:p>
-            <a:endParaRPr lang="nl-NL"/>
-          </a:p>
-        </p:txBody>
-      </p:sp>
+            <a:pPr marL="0" indent="0" algn="ctr">
+              <a:buNone/>
+            </a:pPr>
+            <a:r>
+              <a:rPr lang="en-US" sz="2000">
+                <a:solidFill>
+                  <a:srgbClr val="D5D14F"/>
+                </a:solidFill>
+              </a:rPr>
+              <a:t>De economy/pop-up handler</a:t>
+            </a:r>
+          </a:p>
+        </p:txBody>
+      </p:sp>
+      <p:pic>
+        <p:nvPicPr>
+          <p:cNvPr id="37" name="Picture 26">
+            <a:extLst>
+              <a:ext uri="{FF2B5EF4-FFF2-40B4-BE49-F238E27FC236}">
+                <a16:creationId xmlns:a16="http://schemas.microsoft.com/office/drawing/2014/main" id="{D8C67178-C15E-489D-8DDF-CB1BD419478F}"/>
+              </a:ext>
+              <a:ext uri="{C183D7F6-B498-43B3-948B-1728B52AA6E4}">
+                <adec:decorative xmlns:adec="http://schemas.microsoft.com/office/drawing/2017/decorative" val="1"/>
+              </a:ext>
+            </a:extLst>
+          </p:cNvPr>
+          <p:cNvPicPr>
+            <a:picLocks noGrp="1" noRot="1" noChangeAspect="1" noMove="1" noResize="1" noEditPoints="1" noAdjustHandles="1" noChangeArrowheads="1" noChangeShapeType="1" noCrop="1"/>
+          </p:cNvPicPr>
+          <p:nvPr>
+            <p:extLst>
+              <p:ext uri="{386F3935-93C4-4BCD-93E2-E3B085C9AB24}">
+                <p16:designElem xmlns:p16="http://schemas.microsoft.com/office/powerpoint/2015/main" val="1"/>
+              </p:ext>
+            </p:extLst>
+          </p:nvPr>
+        </p:nvPicPr>
+        <p:blipFill>
+          <a:blip r:embed="rId3">
+            <a:extLst>
+              <a:ext uri="{28A0092B-C50C-407E-A947-70E740481C1C}">
+                <a14:useLocalDpi xmlns:a14="http://schemas.microsoft.com/office/drawing/2010/main" val="0"/>
+              </a:ext>
+            </a:extLst>
+          </a:blip>
+          <a:stretch>
+            <a:fillRect/>
+          </a:stretch>
+        </p:blipFill>
+        <p:spPr>
+          <a:xfrm>
+            <a:off x="542261" y="547807"/>
+            <a:ext cx="11085044" cy="3816806"/>
+          </a:xfrm>
+          <a:prstGeom prst="rect">
+            <a:avLst/>
+          </a:prstGeom>
+        </p:spPr>
+      </p:pic>
+      <p:pic>
+        <p:nvPicPr>
+          <p:cNvPr id="9" name="Picture 8">
+            <a:extLst>
+              <a:ext uri="{FF2B5EF4-FFF2-40B4-BE49-F238E27FC236}">
+                <a16:creationId xmlns:a16="http://schemas.microsoft.com/office/drawing/2014/main" id="{90F085E5-236E-3CFD-E063-772AF037DAFC}"/>
+              </a:ext>
+            </a:extLst>
+          </p:cNvPr>
+          <p:cNvPicPr>
+            <a:picLocks noChangeAspect="1"/>
+          </p:cNvPicPr>
+          <p:nvPr/>
+        </p:nvPicPr>
+        <p:blipFill>
+          <a:blip r:embed="rId4"/>
+          <a:stretch>
+            <a:fillRect/>
+          </a:stretch>
+        </p:blipFill>
+        <p:spPr>
+          <a:xfrm>
+            <a:off x="700048" y="2015777"/>
+            <a:ext cx="2593593" cy="894789"/>
+          </a:xfrm>
+          <a:prstGeom prst="rect">
+            <a:avLst/>
+          </a:prstGeom>
+        </p:spPr>
+      </p:pic>
+      <p:pic>
+        <p:nvPicPr>
+          <p:cNvPr id="11" name="Picture 10">
+            <a:extLst>
+              <a:ext uri="{FF2B5EF4-FFF2-40B4-BE49-F238E27FC236}">
+                <a16:creationId xmlns:a16="http://schemas.microsoft.com/office/drawing/2014/main" id="{5D27EF2F-FC1E-C8F6-4ADF-F79A7DBE96BC}"/>
+              </a:ext>
+            </a:extLst>
+          </p:cNvPr>
+          <p:cNvPicPr>
+            <a:picLocks noChangeAspect="1"/>
+          </p:cNvPicPr>
+          <p:nvPr/>
+        </p:nvPicPr>
+        <p:blipFill>
+          <a:blip r:embed="rId5"/>
+          <a:stretch>
+            <a:fillRect/>
+          </a:stretch>
+        </p:blipFill>
+        <p:spPr>
+          <a:xfrm>
+            <a:off x="3429498" y="1633798"/>
+            <a:ext cx="2591786" cy="1658742"/>
+          </a:xfrm>
+          <a:prstGeom prst="rect">
+            <a:avLst/>
+          </a:prstGeom>
+        </p:spPr>
+      </p:pic>
+      <p:pic>
+        <p:nvPicPr>
+          <p:cNvPr id="5" name="Picture 4">
+            <a:extLst>
+              <a:ext uri="{FF2B5EF4-FFF2-40B4-BE49-F238E27FC236}">
+                <a16:creationId xmlns:a16="http://schemas.microsoft.com/office/drawing/2014/main" id="{FD1078B4-5A25-CFC6-3433-089CBEEDDE4A}"/>
+              </a:ext>
+            </a:extLst>
+          </p:cNvPr>
+          <p:cNvPicPr>
+            <a:picLocks noChangeAspect="1"/>
+          </p:cNvPicPr>
+          <p:nvPr/>
+        </p:nvPicPr>
+        <p:blipFill>
+          <a:blip r:embed="rId6"/>
+          <a:stretch>
+            <a:fillRect/>
+          </a:stretch>
+        </p:blipFill>
+        <p:spPr>
+          <a:xfrm>
+            <a:off x="6157141" y="1875289"/>
+            <a:ext cx="2593272" cy="1175763"/>
+          </a:xfrm>
+          <a:prstGeom prst="rect">
+            <a:avLst/>
+          </a:prstGeom>
+        </p:spPr>
+      </p:pic>
+      <p:pic>
+        <p:nvPicPr>
+          <p:cNvPr id="7" name="Content Placeholder 6">
+            <a:extLst>
+              <a:ext uri="{FF2B5EF4-FFF2-40B4-BE49-F238E27FC236}">
+                <a16:creationId xmlns:a16="http://schemas.microsoft.com/office/drawing/2014/main" id="{5E25B757-A032-7060-C0B6-75EE4368AE5E}"/>
+              </a:ext>
+            </a:extLst>
+          </p:cNvPr>
+          <p:cNvPicPr>
+            <a:picLocks noChangeAspect="1"/>
+          </p:cNvPicPr>
+          <p:nvPr/>
+        </p:nvPicPr>
+        <p:blipFill>
+          <a:blip r:embed="rId7"/>
+          <a:stretch>
+            <a:fillRect/>
+          </a:stretch>
+        </p:blipFill>
+        <p:spPr>
+          <a:xfrm>
+            <a:off x="8886270" y="2080128"/>
+            <a:ext cx="2596896" cy="766084"/>
+          </a:xfrm>
+          <a:prstGeom prst="rect">
+            <a:avLst/>
+          </a:prstGeom>
+        </p:spPr>
+      </p:pic>
     </p:spTree>
     <p:extLst>
       <p:ext uri="{BB962C8B-B14F-4D97-AF65-F5344CB8AC3E}">
@@ -6900,6 +7111,18 @@
   <p:clrMapOvr>
     <a:masterClrMapping/>
   </p:clrMapOvr>
+  <mc:AlternateContent xmlns:mc="http://schemas.openxmlformats.org/markup-compatibility/2006">
+    <mc:Choice xmlns:p14="http://schemas.microsoft.com/office/powerpoint/2010/main" Requires="p14">
+      <p:transition spd="med" p14:dur="700">
+        <p:fade/>
+      </p:transition>
+    </mc:Choice>
+    <mc:Fallback>
+      <p:transition spd="med">
+        <p:fade/>
+      </p:transition>
+    </mc:Fallback>
+  </mc:AlternateContent>
 </p:sld>
 </file>
 
@@ -6983,6 +7206,18 @@
   <p:clrMapOvr>
     <a:masterClrMapping/>
   </p:clrMapOvr>
+  <mc:AlternateContent xmlns:mc="http://schemas.openxmlformats.org/markup-compatibility/2006">
+    <mc:Choice xmlns:p14="http://schemas.microsoft.com/office/powerpoint/2010/main" Requires="p14">
+      <p:transition spd="med" p14:dur="700">
+        <p:fade/>
+      </p:transition>
+    </mc:Choice>
+    <mc:Fallback>
+      <p:transition spd="med">
+        <p:fade/>
+      </p:transition>
+    </mc:Fallback>
+  </mc:AlternateContent>
 </p:sld>
 </file>
 
@@ -7136,12 +7371,43 @@
   <p:clrMapOvr>
     <a:masterClrMapping/>
   </p:clrMapOvr>
+  <mc:AlternateContent xmlns:mc="http://schemas.openxmlformats.org/markup-compatibility/2006">
+    <mc:Choice xmlns:p14="http://schemas.microsoft.com/office/powerpoint/2010/main" Requires="p14">
+      <p:transition spd="med" p14:dur="700">
+        <p:fade/>
+      </p:transition>
+    </mc:Choice>
+    <mc:Fallback>
+      <p:transition spd="med">
+        <p:fade/>
+      </p:transition>
+    </mc:Fallback>
+  </mc:AlternateContent>
 </p:sld>
 </file>
 
 <file path=ppt/slides/slide13.xml><?xml version="1.0" encoding="utf-8"?>
 <p:sld xmlns:a="http://schemas.openxmlformats.org/drawingml/2006/main" xmlns:r="http://schemas.openxmlformats.org/officeDocument/2006/relationships" xmlns:p="http://schemas.openxmlformats.org/presentationml/2006/main">
   <p:cSld>
+    <p:bg>
+      <p:bgPr>
+        <a:blipFill rotWithShape="1">
+          <a:blip r:embed="rId2">
+            <a:duotone>
+              <a:schemeClr val="bg1">
+                <a:shade val="80000"/>
+                <a:lumMod val="80000"/>
+              </a:schemeClr>
+              <a:schemeClr val="bg1">
+                <a:tint val="98000"/>
+              </a:schemeClr>
+            </a:duotone>
+          </a:blip>
+          <a:stretch/>
+        </a:blipFill>
+        <a:effectLst/>
+      </p:bgPr>
+    </p:bg>
     <p:spTree>
       <p:nvGrpSpPr>
         <p:cNvPr id="1" name=""/>
@@ -7156,6 +7422,66 @@
           <a:chExt cx="0" cy="0"/>
         </a:xfrm>
       </p:grpSpPr>
+      <p:sp useBgFill="1">
+        <p:nvSpPr>
+          <p:cNvPr id="20" name="Rectangle 11">
+            <a:extLst>
+              <a:ext uri="{FF2B5EF4-FFF2-40B4-BE49-F238E27FC236}">
+                <a16:creationId xmlns:a16="http://schemas.microsoft.com/office/drawing/2014/main" id="{991E3E68-B79D-4D0B-9917-2CDE4CDF587B}"/>
+              </a:ext>
+              <a:ext uri="{C183D7F6-B498-43B3-948B-1728B52AA6E4}">
+                <adec:decorative xmlns:adec="http://schemas.microsoft.com/office/drawing/2017/decorative" val="1"/>
+              </a:ext>
+            </a:extLst>
+          </p:cNvPr>
+          <p:cNvSpPr>
+            <a:spLocks noGrp="1" noRot="1" noChangeAspect="1" noMove="1" noResize="1" noEditPoints="1" noAdjustHandles="1" noChangeArrowheads="1" noChangeShapeType="1" noTextEdit="1"/>
+          </p:cNvSpPr>
+          <p:nvPr>
+            <p:extLst>
+              <p:ext uri="{386F3935-93C4-4BCD-93E2-E3B085C9AB24}">
+                <p16:designElem xmlns:p16="http://schemas.microsoft.com/office/powerpoint/2015/main" val="1"/>
+              </p:ext>
+            </p:extLst>
+          </p:nvPr>
+        </p:nvSpPr>
+        <p:spPr>
+          <a:xfrm>
+            <a:off x="0" y="0"/>
+            <a:ext cx="12192000" cy="6858000"/>
+          </a:xfrm>
+          <a:prstGeom prst="rect">
+            <a:avLst/>
+          </a:prstGeom>
+          <a:ln>
+            <a:noFill/>
+          </a:ln>
+        </p:spPr>
+        <p:style>
+          <a:lnRef idx="2">
+            <a:schemeClr val="accent1">
+              <a:shade val="50000"/>
+            </a:schemeClr>
+          </a:lnRef>
+          <a:fillRef idx="1">
+            <a:schemeClr val="accent1"/>
+          </a:fillRef>
+          <a:effectRef idx="0">
+            <a:schemeClr val="accent1"/>
+          </a:effectRef>
+          <a:fontRef idx="minor">
+            <a:schemeClr val="lt1"/>
+          </a:fontRef>
+        </p:style>
+        <p:txBody>
+          <a:bodyPr rtlCol="0" anchor="ctr"/>
+          <a:lstStyle/>
+          <a:p>
+            <a:pPr algn="ctr"/>
+            <a:endParaRPr lang="en-US"/>
+          </a:p>
+        </p:txBody>
+      </p:sp>
       <p:sp>
         <p:nvSpPr>
           <p:cNvPr id="2" name="Title 1">
@@ -7172,27 +7498,122 @@
             <p:ph type="title"/>
           </p:nvPr>
         </p:nvSpPr>
-        <p:spPr/>
-        <p:txBody>
-          <a:bodyPr/>
+        <p:spPr>
+          <a:xfrm>
+            <a:off x="5279472" y="609598"/>
+            <a:ext cx="5844759" cy="1598540"/>
+          </a:xfrm>
+        </p:spPr>
+        <p:txBody>
+          <a:bodyPr>
+            <a:normAutofit/>
+          </a:bodyPr>
           <a:lstStyle/>
           <a:p>
             <a:r>
-              <a:rPr lang="nl-NL" dirty="0"/>
+              <a:rPr lang="nl-NL"/>
               <a:t>planning</a:t>
             </a:r>
-          </a:p>
-        </p:txBody>
-      </p:sp>
-      <p:sp>
-        <p:nvSpPr>
-          <p:cNvPr id="3" name="Content Placeholder 2">
+            <a:endParaRPr lang="nl-NL" dirty="0"/>
+          </a:p>
+        </p:txBody>
+      </p:sp>
+      <p:pic>
+        <p:nvPicPr>
+          <p:cNvPr id="14" name="Picture 13">
             <a:extLst>
               <a:ext uri="{FF2B5EF4-FFF2-40B4-BE49-F238E27FC236}">
-                <a16:creationId xmlns:a16="http://schemas.microsoft.com/office/drawing/2014/main" id="{BD4BB6C6-2CED-2325-9199-91F8F2665173}"/>
+                <a16:creationId xmlns:a16="http://schemas.microsoft.com/office/drawing/2014/main" id="{5405F23C-C82E-4181-95EA-321F3D891A40}"/>
+              </a:ext>
+              <a:ext uri="{C183D7F6-B498-43B3-948B-1728B52AA6E4}">
+                <adec:decorative xmlns:adec="http://schemas.microsoft.com/office/drawing/2017/decorative" val="1"/>
               </a:ext>
             </a:extLst>
           </p:cNvPr>
+          <p:cNvPicPr>
+            <a:picLocks noGrp="1" noRot="1" noChangeAspect="1" noMove="1" noResize="1" noEditPoints="1" noAdjustHandles="1" noChangeArrowheads="1" noChangeShapeType="1" noCrop="1"/>
+          </p:cNvPicPr>
+          <p:nvPr>
+            <p:extLst>
+              <p:ext uri="{386F3935-93C4-4BCD-93E2-E3B085C9AB24}">
+                <p16:designElem xmlns:p16="http://schemas.microsoft.com/office/powerpoint/2015/main" val="1"/>
+              </p:ext>
+            </p:extLst>
+          </p:nvPr>
+        </p:nvPicPr>
+        <p:blipFill rotWithShape="1">
+          <a:blip r:embed="rId3">
+            <a:extLst>
+              <a:ext uri="{28A0092B-C50C-407E-A947-70E740481C1C}">
+                <a14:useLocalDpi xmlns:a14="http://schemas.microsoft.com/office/drawing/2010/main" val="0"/>
+              </a:ext>
+            </a:extLst>
+          </a:blip>
+          <a:srcRect t="964" r="2807" b="1446"/>
+          <a:stretch/>
+        </p:blipFill>
+        <p:spPr>
+          <a:xfrm>
+            <a:off x="-10650" y="1"/>
+            <a:ext cx="4966697" cy="6858000"/>
+          </a:xfrm>
+          <a:prstGeom prst="rect">
+            <a:avLst/>
+          </a:prstGeom>
+        </p:spPr>
+      </p:pic>
+      <p:pic>
+        <p:nvPicPr>
+          <p:cNvPr id="5" name="Content Placeholder 4">
+            <a:extLst>
+              <a:ext uri="{FF2B5EF4-FFF2-40B4-BE49-F238E27FC236}">
+                <a16:creationId xmlns:a16="http://schemas.microsoft.com/office/drawing/2014/main" id="{0DDA8DE8-F0B8-E1D6-F8A7-B94AFE57B9F0}"/>
+              </a:ext>
+            </a:extLst>
+          </p:cNvPr>
+          <p:cNvPicPr>
+            <a:picLocks noChangeAspect="1"/>
+          </p:cNvPicPr>
+          <p:nvPr/>
+        </p:nvPicPr>
+        <p:blipFill>
+          <a:blip r:embed="rId4"/>
+          <a:stretch>
+            <a:fillRect/>
+          </a:stretch>
+        </p:blipFill>
+        <p:spPr>
+          <a:xfrm>
+            <a:off x="717868" y="350351"/>
+            <a:ext cx="3509659" cy="6157298"/>
+          </a:xfrm>
+          <a:prstGeom prst="roundRect">
+            <a:avLst>
+              <a:gd name="adj" fmla="val 8594"/>
+            </a:avLst>
+          </a:prstGeom>
+          <a:solidFill>
+            <a:srgbClr val="FFFFFF">
+              <a:shade val="85000"/>
+            </a:srgbClr>
+          </a:solidFill>
+          <a:ln>
+            <a:noFill/>
+          </a:ln>
+          <a:effectLst>
+            <a:reflection blurRad="12700" stA="38000" endPos="28000" dist="5000" dir="5400000" sy="-100000" algn="bl" rotWithShape="0"/>
+          </a:effectLst>
+        </p:spPr>
+      </p:pic>
+      <p:sp>
+        <p:nvSpPr>
+          <p:cNvPr id="9" name="Content Placeholder 8">
+            <a:extLst>
+              <a:ext uri="{FF2B5EF4-FFF2-40B4-BE49-F238E27FC236}">
+                <a16:creationId xmlns:a16="http://schemas.microsoft.com/office/drawing/2014/main" id="{A50A16AE-A76D-BB66-F478-F40B65F06FD4}"/>
+              </a:ext>
+            </a:extLst>
+          </p:cNvPr>
           <p:cNvSpPr>
             <a:spLocks noGrp="1"/>
           </p:cNvSpPr>
@@ -7200,12 +7621,19 @@
             <p:ph idx="1"/>
           </p:nvPr>
         </p:nvSpPr>
-        <p:spPr/>
-        <p:txBody>
-          <a:bodyPr/>
+        <p:spPr>
+          <a:xfrm>
+            <a:off x="5279472" y="2396565"/>
+            <a:ext cx="5844760" cy="3298283"/>
+          </a:xfrm>
+        </p:spPr>
+        <p:txBody>
+          <a:bodyPr anchor="ctr">
+            <a:normAutofit/>
+          </a:bodyPr>
           <a:lstStyle/>
           <a:p>
-            <a:endParaRPr lang="nl-NL" dirty="0"/>
+            <a:endParaRPr lang="en-US"/>
           </a:p>
         </p:txBody>
       </p:sp>
@@ -7219,6 +7647,18 @@
   <p:clrMapOvr>
     <a:masterClrMapping/>
   </p:clrMapOvr>
+  <mc:AlternateContent xmlns:mc="http://schemas.openxmlformats.org/markup-compatibility/2006">
+    <mc:Choice xmlns:p14="http://schemas.microsoft.com/office/powerpoint/2010/main" Requires="p14">
+      <p:transition spd="med" p14:dur="700">
+        <p:fade/>
+      </p:transition>
+    </mc:Choice>
+    <mc:Fallback>
+      <p:transition spd="med">
+        <p:fade/>
+      </p:transition>
+    </mc:Fallback>
+  </mc:AlternateContent>
 </p:sld>
 </file>
 
@@ -7302,6 +7742,18 @@
   <p:clrMapOvr>
     <a:masterClrMapping/>
   </p:clrMapOvr>
+  <mc:AlternateContent xmlns:mc="http://schemas.openxmlformats.org/markup-compatibility/2006">
+    <mc:Choice xmlns:p14="http://schemas.microsoft.com/office/powerpoint/2010/main" Requires="p14">
+      <p:transition spd="med" p14:dur="700">
+        <p:fade/>
+      </p:transition>
+    </mc:Choice>
+    <mc:Fallback>
+      <p:transition spd="med">
+        <p:fade/>
+      </p:transition>
+    </mc:Fallback>
+  </mc:AlternateContent>
 </p:sld>
 </file>
 
@@ -7388,6 +7840,18 @@
   <p:clrMapOvr>
     <a:masterClrMapping/>
   </p:clrMapOvr>
+  <mc:AlternateContent xmlns:mc="http://schemas.openxmlformats.org/markup-compatibility/2006">
+    <mc:Choice xmlns:p14="http://schemas.microsoft.com/office/powerpoint/2010/main" Requires="p14">
+      <p:transition spd="med" p14:dur="700">
+        <p:fade/>
+      </p:transition>
+    </mc:Choice>
+    <mc:Fallback>
+      <p:transition spd="med">
+        <p:fade/>
+      </p:transition>
+    </mc:Fallback>
+  </mc:AlternateContent>
 </p:sld>
 </file>
 
@@ -7471,6 +7935,18 @@
   <p:clrMapOvr>
     <a:masterClrMapping/>
   </p:clrMapOvr>
+  <mc:AlternateContent xmlns:mc="http://schemas.openxmlformats.org/markup-compatibility/2006">
+    <mc:Choice xmlns:p14="http://schemas.microsoft.com/office/powerpoint/2010/main" Requires="p14">
+      <p:transition spd="med" p14:dur="700">
+        <p:fade/>
+      </p:transition>
+    </mc:Choice>
+    <mc:Fallback>
+      <p:transition spd="med">
+        <p:fade/>
+      </p:transition>
+    </mc:Fallback>
+  </mc:AlternateContent>
 </p:sld>
 </file>
 
@@ -7555,6 +8031,18 @@
   <p:clrMapOvr>
     <a:masterClrMapping/>
   </p:clrMapOvr>
+  <mc:AlternateContent xmlns:mc="http://schemas.openxmlformats.org/markup-compatibility/2006">
+    <mc:Choice xmlns:p14="http://schemas.microsoft.com/office/powerpoint/2010/main" Requires="p14">
+      <p:transition spd="med" p14:dur="700">
+        <p:fade/>
+      </p:transition>
+    </mc:Choice>
+    <mc:Fallback>
+      <p:transition spd="med">
+        <p:fade/>
+      </p:transition>
+    </mc:Fallback>
+  </mc:AlternateContent>
 </p:sld>
 </file>
 
@@ -7624,7 +8112,38 @@
           <a:bodyPr/>
           <a:lstStyle/>
           <a:p>
-            <a:endParaRPr lang="nl-NL"/>
+            <a:pPr>
+              <a:buFont typeface="Wingdings" panose="05000000000000000000" pitchFamily="2" charset="2"/>
+              <a:buChar char="v"/>
+            </a:pPr>
+            <a:r>
+              <a:rPr lang="nl-NL" dirty="0" err="1"/>
+              <a:t>enemy’s</a:t>
+            </a:r>
+            <a:r>
+              <a:rPr lang="nl-NL" dirty="0"/>
+              <a:t> maken</a:t>
+            </a:r>
+          </a:p>
+          <a:p>
+            <a:pPr>
+              <a:buFont typeface="Wingdings" panose="05000000000000000000" pitchFamily="2" charset="2"/>
+              <a:buChar char="v"/>
+            </a:pPr>
+            <a:r>
+              <a:rPr lang="nl-NL" dirty="0"/>
+              <a:t>Animaties fixen</a:t>
+            </a:r>
+          </a:p>
+          <a:p>
+            <a:pPr>
+              <a:buFont typeface="Wingdings" panose="05000000000000000000" pitchFamily="2" charset="2"/>
+              <a:buChar char="v"/>
+            </a:pPr>
+            <a:r>
+              <a:rPr lang="nl-NL" dirty="0"/>
+              <a:t>UI elementen</a:t>
+            </a:r>
           </a:p>
         </p:txBody>
       </p:sp>
@@ -7638,12 +8157,43 @@
   <p:clrMapOvr>
     <a:masterClrMapping/>
   </p:clrMapOvr>
+  <mc:AlternateContent xmlns:mc="http://schemas.openxmlformats.org/markup-compatibility/2006">
+    <mc:Choice xmlns:p14="http://schemas.microsoft.com/office/powerpoint/2010/main" Requires="p14">
+      <p:transition spd="med" p14:dur="700">
+        <p:fade/>
+      </p:transition>
+    </mc:Choice>
+    <mc:Fallback>
+      <p:transition spd="med">
+        <p:fade/>
+      </p:transition>
+    </mc:Fallback>
+  </mc:AlternateContent>
 </p:sld>
 </file>
 
 <file path=ppt/slides/slide19.xml><?xml version="1.0" encoding="utf-8"?>
 <p:sld xmlns:a="http://schemas.openxmlformats.org/drawingml/2006/main" xmlns:r="http://schemas.openxmlformats.org/officeDocument/2006/relationships" xmlns:p="http://schemas.openxmlformats.org/presentationml/2006/main">
   <p:cSld>
+    <p:bg>
+      <p:bgPr>
+        <a:blipFill rotWithShape="1">
+          <a:blip r:embed="rId2">
+            <a:duotone>
+              <a:schemeClr val="bg1">
+                <a:shade val="80000"/>
+                <a:lumMod val="80000"/>
+              </a:schemeClr>
+              <a:schemeClr val="bg1">
+                <a:tint val="98000"/>
+              </a:schemeClr>
+            </a:duotone>
+          </a:blip>
+          <a:stretch/>
+        </a:blipFill>
+        <a:effectLst/>
+      </p:bgPr>
+    </p:bg>
     <p:spTree>
       <p:nvGrpSpPr>
         <p:cNvPr id="1" name=""/>
@@ -7658,6 +8208,37 @@
           <a:chExt cx="0" cy="0"/>
         </a:xfrm>
       </p:grpSpPr>
+      <p:pic>
+        <p:nvPicPr>
+          <p:cNvPr id="5" name="Picture 4" descr="Bovenaanzicht van een labyrinth">
+            <a:extLst>
+              <a:ext uri="{FF2B5EF4-FFF2-40B4-BE49-F238E27FC236}">
+                <a16:creationId xmlns:a16="http://schemas.microsoft.com/office/drawing/2014/main" id="{047D1137-2893-D772-6DDE-0DDA763512E3}"/>
+              </a:ext>
+            </a:extLst>
+          </p:cNvPr>
+          <p:cNvPicPr>
+            <a:picLocks noChangeAspect="1"/>
+          </p:cNvPicPr>
+          <p:nvPr/>
+        </p:nvPicPr>
+        <p:blipFill rotWithShape="1">
+          <a:blip r:embed="rId3">
+            <a:alphaModFix amt="35000"/>
+          </a:blip>
+          <a:srcRect t="8983" b="6748"/>
+          <a:stretch/>
+        </p:blipFill>
+        <p:spPr>
+          <a:xfrm>
+            <a:off x="20" y="10"/>
+            <a:ext cx="12191980" cy="6857990"/>
+          </a:xfrm>
+          <a:prstGeom prst="rect">
+            <a:avLst/>
+          </a:prstGeom>
+        </p:spPr>
+      </p:pic>
       <p:sp>
         <p:nvSpPr>
           <p:cNvPr id="2" name="Title 1">
@@ -7674,40 +8255,22 @@
             <p:ph type="title"/>
           </p:nvPr>
         </p:nvSpPr>
-        <p:spPr/>
-        <p:txBody>
-          <a:bodyPr/>
+        <p:spPr>
+          <a:xfrm>
+            <a:off x="1370693" y="1769540"/>
+            <a:ext cx="9440034" cy="1828801"/>
+          </a:xfrm>
+        </p:spPr>
+        <p:txBody>
+          <a:bodyPr vert="horz" lIns="91440" tIns="45720" rIns="91440" bIns="45720" rtlCol="0" anchor="b">
+            <a:normAutofit/>
+          </a:bodyPr>
           <a:lstStyle/>
           <a:p>
             <a:r>
-              <a:rPr lang="nl-NL"/>
+              <a:rPr lang="en-US" sz="5400"/>
               <a:t>Einde</a:t>
             </a:r>
-          </a:p>
-        </p:txBody>
-      </p:sp>
-      <p:sp>
-        <p:nvSpPr>
-          <p:cNvPr id="3" name="Content Placeholder 2">
-            <a:extLst>
-              <a:ext uri="{FF2B5EF4-FFF2-40B4-BE49-F238E27FC236}">
-                <a16:creationId xmlns:a16="http://schemas.microsoft.com/office/drawing/2014/main" id="{6EFA4A64-BDCB-F4B0-E74B-74BAAA22E441}"/>
-              </a:ext>
-            </a:extLst>
-          </p:cNvPr>
-          <p:cNvSpPr>
-            <a:spLocks noGrp="1"/>
-          </p:cNvSpPr>
-          <p:nvPr>
-            <p:ph idx="1"/>
-          </p:nvPr>
-        </p:nvSpPr>
-        <p:spPr/>
-        <p:txBody>
-          <a:bodyPr/>
-          <a:lstStyle/>
-          <a:p>
-            <a:endParaRPr lang="nl-NL"/>
           </a:p>
         </p:txBody>
       </p:sp>
@@ -7721,6 +8284,18 @@
   <p:clrMapOvr>
     <a:masterClrMapping/>
   </p:clrMapOvr>
+  <mc:AlternateContent xmlns:mc="http://schemas.openxmlformats.org/markup-compatibility/2006">
+    <mc:Choice xmlns:p14="http://schemas.microsoft.com/office/powerpoint/2010/main" Requires="p14">
+      <p:transition spd="med" p14:dur="700">
+        <p:fade/>
+      </p:transition>
+    </mc:Choice>
+    <mc:Fallback>
+      <p:transition spd="med">
+        <p:fade/>
+      </p:transition>
+    </mc:Fallback>
+  </mc:AlternateContent>
 </p:sld>
 </file>
 
@@ -8055,13 +8630,13 @@
   <p:clrMapOvr>
     <a:masterClrMapping/>
   </p:clrMapOvr>
-  <mc:AlternateContent xmlns:mc="http://schemas.openxmlformats.org/markup-compatibility/2006">
-    <mc:Choice xmlns:p14="http://schemas.microsoft.com/office/powerpoint/2010/main" Requires="p14">
+  <mc:AlternateContent xmlns:mc="http://schemas.openxmlformats.org/markup-compatibility/2006" xmlns:p14="http://schemas.microsoft.com/office/powerpoint/2010/main">
+    <mc:Choice Requires="p14">
       <p:transition spd="med" p14:dur="700">
         <p:fade/>
       </p:transition>
     </mc:Choice>
-    <mc:Fallback>
+    <mc:Fallback xmlns="">
       <p:transition spd="med">
         <p:fade/>
       </p:transition>
@@ -8187,6 +8762,18 @@
   <p:clrMapOvr>
     <a:masterClrMapping/>
   </p:clrMapOvr>
+  <mc:AlternateContent xmlns:mc="http://schemas.openxmlformats.org/markup-compatibility/2006">
+    <mc:Choice xmlns:p14="http://schemas.microsoft.com/office/powerpoint/2010/main" Requires="p14">
+      <p:transition spd="med" p14:dur="700">
+        <p:fade/>
+      </p:transition>
+    </mc:Choice>
+    <mc:Fallback>
+      <p:transition spd="med">
+        <p:fade/>
+      </p:transition>
+    </mc:Fallback>
+  </mc:AlternateContent>
 </p:sld>
 </file>
 
@@ -8404,13 +8991,13 @@
   <p:clrMapOvr>
     <a:masterClrMapping/>
   </p:clrMapOvr>
-  <mc:AlternateContent xmlns:mc="http://schemas.openxmlformats.org/markup-compatibility/2006">
-    <mc:Choice xmlns:p14="http://schemas.microsoft.com/office/powerpoint/2010/main" Requires="p14">
+  <mc:AlternateContent xmlns:mc="http://schemas.openxmlformats.org/markup-compatibility/2006" xmlns:p14="http://schemas.microsoft.com/office/powerpoint/2010/main">
+    <mc:Choice Requires="p14">
       <p:transition spd="med" p14:dur="700">
         <p:fade/>
       </p:transition>
     </mc:Choice>
-    <mc:Fallback>
+    <mc:Fallback xmlns="">
       <p:transition spd="med">
         <p:fade/>
       </p:transition>
@@ -8651,6 +9238,18 @@
   <p:clrMapOvr>
     <a:masterClrMapping/>
   </p:clrMapOvr>
+  <mc:AlternateContent xmlns:mc="http://schemas.openxmlformats.org/markup-compatibility/2006">
+    <mc:Choice xmlns:p14="http://schemas.microsoft.com/office/powerpoint/2010/main" Requires="p14">
+      <p:transition spd="med" p14:dur="700">
+        <p:fade/>
+      </p:transition>
+    </mc:Choice>
+    <mc:Fallback>
+      <p:transition spd="med">
+        <p:fade/>
+      </p:transition>
+    </mc:Fallback>
+  </mc:AlternateContent>
 </p:sld>
 </file>
 
@@ -8734,6 +9333,18 @@
   <p:clrMapOvr>
     <a:masterClrMapping/>
   </p:clrMapOvr>
+  <mc:AlternateContent xmlns:mc="http://schemas.openxmlformats.org/markup-compatibility/2006">
+    <mc:Choice xmlns:p14="http://schemas.microsoft.com/office/powerpoint/2010/main" Requires="p14">
+      <p:transition spd="med" p14:dur="700">
+        <p:fade/>
+      </p:transition>
+    </mc:Choice>
+    <mc:Fallback>
+      <p:transition spd="med">
+        <p:fade/>
+      </p:transition>
+    </mc:Fallback>
+  </mc:AlternateContent>
 </p:sld>
 </file>
 
@@ -8821,6 +9432,18 @@
   <p:clrMapOvr>
     <a:masterClrMapping/>
   </p:clrMapOvr>
+  <mc:AlternateContent xmlns:mc="http://schemas.openxmlformats.org/markup-compatibility/2006">
+    <mc:Choice xmlns:p14="http://schemas.microsoft.com/office/powerpoint/2010/main" Requires="p14">
+      <p:transition spd="med" p14:dur="700">
+        <p:fade/>
+      </p:transition>
+    </mc:Choice>
+    <mc:Fallback>
+      <p:transition spd="med">
+        <p:fade/>
+      </p:transition>
+    </mc:Fallback>
+  </mc:AlternateContent>
 </p:sld>
 </file>
 
@@ -8904,6 +9527,18 @@
   <p:clrMapOvr>
     <a:masterClrMapping/>
   </p:clrMapOvr>
+  <mc:AlternateContent xmlns:mc="http://schemas.openxmlformats.org/markup-compatibility/2006">
+    <mc:Choice xmlns:p14="http://schemas.microsoft.com/office/powerpoint/2010/main" Requires="p14">
+      <p:transition spd="med" p14:dur="700">
+        <p:fade/>
+      </p:transition>
+    </mc:Choice>
+    <mc:Fallback>
+      <p:transition spd="med">
+        <p:fade/>
+      </p:transition>
+    </mc:Fallback>
+  </mc:AlternateContent>
 </p:sld>
 </file>
 
@@ -8988,6 +9623,18 @@
   <p:clrMapOvr>
     <a:masterClrMapping/>
   </p:clrMapOvr>
+  <mc:AlternateContent xmlns:mc="http://schemas.openxmlformats.org/markup-compatibility/2006">
+    <mc:Choice xmlns:p14="http://schemas.microsoft.com/office/powerpoint/2010/main" Requires="p14">
+      <p:transition spd="med" p14:dur="700">
+        <p:fade/>
+      </p:transition>
+    </mc:Choice>
+    <mc:Fallback>
+      <p:transition spd="med">
+        <p:fade/>
+      </p:transition>
+    </mc:Fallback>
+  </mc:AlternateContent>
 </p:sld>
 </file>
 
@@ -9555,21 +10202,21 @@
 </file>
 
 <file path=customXml/item1.xml><?xml version="1.0" encoding="utf-8"?>
+<p:properties xmlns:p="http://schemas.microsoft.com/office/2006/metadata/properties" xmlns:xsi="http://www.w3.org/2001/XMLSchema-instance" xmlns:pc="http://schemas.microsoft.com/office/infopath/2007/PartnerControls">
+  <documentManagement>
+    <Status xmlns="71af3243-3dd4-4a8d-8c0d-dd76da1f02a5">Not started</Status>
+    <MediaServiceKeyPoints xmlns="71af3243-3dd4-4a8d-8c0d-dd76da1f02a5" xsi:nil="true"/>
+  </documentManagement>
+</p:properties>
+</file>
+
+<file path=customXml/item2.xml><?xml version="1.0" encoding="utf-8"?>
 <?mso-contentType ?>
 <FormTemplates xmlns="http://schemas.microsoft.com/sharepoint/v3/contenttype/forms">
   <Display>DocumentLibraryForm</Display>
   <Edit>DocumentLibraryForm</Edit>
   <New>DocumentLibraryForm</New>
 </FormTemplates>
-</file>
-
-<file path=customXml/item2.xml><?xml version="1.0" encoding="utf-8"?>
-<p:properties xmlns:p="http://schemas.microsoft.com/office/2006/metadata/properties" xmlns:xsi="http://www.w3.org/2001/XMLSchema-instance" xmlns:pc="http://schemas.microsoft.com/office/infopath/2007/PartnerControls">
-  <documentManagement>
-    <Status xmlns="71af3243-3dd4-4a8d-8c0d-dd76da1f02a5">Not started</Status>
-    <MediaServiceKeyPoints xmlns="71af3243-3dd4-4a8d-8c0d-dd76da1f02a5" xsi:nil="true"/>
-  </documentManagement>
-</p:properties>
 </file>
 
 <file path=customXml/item3.xml><?xml version="1.0" encoding="utf-8"?>
@@ -9794,19 +10441,19 @@
 </file>
 
 <file path=customXml/itemProps1.xml><?xml version="1.0" encoding="utf-8"?>
-<ds:datastoreItem xmlns:ds="http://schemas.openxmlformats.org/officeDocument/2006/customXml" ds:itemID="{64B270AB-C138-415C-897E-3C24487DECF1}">
+<ds:datastoreItem xmlns:ds="http://schemas.openxmlformats.org/officeDocument/2006/customXml" ds:itemID="{2C4C00F4-06E9-43E3-AD97-88A857CEFA82}">
   <ds:schemaRefs>
-    <ds:schemaRef ds:uri="http://schemas.microsoft.com/sharepoint/v3/contenttype/forms"/>
+    <ds:schemaRef ds:uri="http://schemas.microsoft.com/office/2006/metadata/properties"/>
+    <ds:schemaRef ds:uri="http://schemas.microsoft.com/office/infopath/2007/PartnerControls"/>
+    <ds:schemaRef ds:uri="71af3243-3dd4-4a8d-8c0d-dd76da1f02a5"/>
   </ds:schemaRefs>
 </ds:datastoreItem>
 </file>
 
 <file path=customXml/itemProps2.xml><?xml version="1.0" encoding="utf-8"?>
-<ds:datastoreItem xmlns:ds="http://schemas.openxmlformats.org/officeDocument/2006/customXml" ds:itemID="{2C4C00F4-06E9-43E3-AD97-88A857CEFA82}">
+<ds:datastoreItem xmlns:ds="http://schemas.openxmlformats.org/officeDocument/2006/customXml" ds:itemID="{64B270AB-C138-415C-897E-3C24487DECF1}">
   <ds:schemaRefs>
-    <ds:schemaRef ds:uri="http://schemas.microsoft.com/office/2006/metadata/properties"/>
-    <ds:schemaRef ds:uri="http://schemas.microsoft.com/office/infopath/2007/PartnerControls"/>
-    <ds:schemaRef ds:uri="71af3243-3dd4-4a8d-8c0d-dd76da1f02a5"/>
+    <ds:schemaRef ds:uri="http://schemas.microsoft.com/sharepoint/v3/contenttype/forms"/>
   </ds:schemaRefs>
 </ds:datastoreItem>
 </file>
